--- a/docs/diagrams/VoteSequenceDiagram.pptx
+++ b/docs/diagrams/VoteSequenceDiagram.pptx
@@ -208,7 +208,7 @@
           <a:p>
             <a:fld id="{F5CC4B3F-88C1-4FFA-B1B6-F41C21DC6924}" type="datetimeFigureOut">
               <a:rPr lang="en-US" smtClean="0"/>
-              <a:t>10/14/2018</a:t>
+              <a:t>11/5/2018</a:t>
             </a:fld>
             <a:endParaRPr lang="en-US"/>
           </a:p>
@@ -654,7 +654,7 @@
           <a:p>
             <a:fld id="{78C97017-6FC3-485B-9764-EAC9E56C1D49}" type="datetimeFigureOut">
               <a:rPr lang="en-US" smtClean="0"/>
-              <a:t>10/14/2018</a:t>
+              <a:t>11/5/2018</a:t>
             </a:fld>
             <a:endParaRPr lang="en-US"/>
           </a:p>
@@ -822,7 +822,7 @@
           <a:p>
             <a:fld id="{78C97017-6FC3-485B-9764-EAC9E56C1D49}" type="datetimeFigureOut">
               <a:rPr lang="en-US" smtClean="0"/>
-              <a:t>10/14/2018</a:t>
+              <a:t>11/5/2018</a:t>
             </a:fld>
             <a:endParaRPr lang="en-US"/>
           </a:p>
@@ -1000,7 +1000,7 @@
           <a:p>
             <a:fld id="{78C97017-6FC3-485B-9764-EAC9E56C1D49}" type="datetimeFigureOut">
               <a:rPr lang="en-US" smtClean="0"/>
-              <a:t>10/14/2018</a:t>
+              <a:t>11/5/2018</a:t>
             </a:fld>
             <a:endParaRPr lang="en-US"/>
           </a:p>
@@ -1168,7 +1168,7 @@
           <a:p>
             <a:fld id="{78C97017-6FC3-485B-9764-EAC9E56C1D49}" type="datetimeFigureOut">
               <a:rPr lang="en-US" smtClean="0"/>
-              <a:t>10/14/2018</a:t>
+              <a:t>11/5/2018</a:t>
             </a:fld>
             <a:endParaRPr lang="en-US"/>
           </a:p>
@@ -1413,7 +1413,7 @@
           <a:p>
             <a:fld id="{78C97017-6FC3-485B-9764-EAC9E56C1D49}" type="datetimeFigureOut">
               <a:rPr lang="en-US" smtClean="0"/>
-              <a:t>10/14/2018</a:t>
+              <a:t>11/5/2018</a:t>
             </a:fld>
             <a:endParaRPr lang="en-US"/>
           </a:p>
@@ -1698,7 +1698,7 @@
           <a:p>
             <a:fld id="{78C97017-6FC3-485B-9764-EAC9E56C1D49}" type="datetimeFigureOut">
               <a:rPr lang="en-US" smtClean="0"/>
-              <a:t>10/14/2018</a:t>
+              <a:t>11/5/2018</a:t>
             </a:fld>
             <a:endParaRPr lang="en-US"/>
           </a:p>
@@ -2117,7 +2117,7 @@
           <a:p>
             <a:fld id="{78C97017-6FC3-485B-9764-EAC9E56C1D49}" type="datetimeFigureOut">
               <a:rPr lang="en-US" smtClean="0"/>
-              <a:t>10/14/2018</a:t>
+              <a:t>11/5/2018</a:t>
             </a:fld>
             <a:endParaRPr lang="en-US"/>
           </a:p>
@@ -2234,7 +2234,7 @@
           <a:p>
             <a:fld id="{78C97017-6FC3-485B-9764-EAC9E56C1D49}" type="datetimeFigureOut">
               <a:rPr lang="en-US" smtClean="0"/>
-              <a:t>10/14/2018</a:t>
+              <a:t>11/5/2018</a:t>
             </a:fld>
             <a:endParaRPr lang="en-US"/>
           </a:p>
@@ -2329,7 +2329,7 @@
           <a:p>
             <a:fld id="{78C97017-6FC3-485B-9764-EAC9E56C1D49}" type="datetimeFigureOut">
               <a:rPr lang="en-US" smtClean="0"/>
-              <a:t>10/14/2018</a:t>
+              <a:t>11/5/2018</a:t>
             </a:fld>
             <a:endParaRPr lang="en-US"/>
           </a:p>
@@ -2604,7 +2604,7 @@
           <a:p>
             <a:fld id="{78C97017-6FC3-485B-9764-EAC9E56C1D49}" type="datetimeFigureOut">
               <a:rPr lang="en-US" smtClean="0"/>
-              <a:t>10/14/2018</a:t>
+              <a:t>11/5/2018</a:t>
             </a:fld>
             <a:endParaRPr lang="en-US"/>
           </a:p>
@@ -2856,7 +2856,7 @@
           <a:p>
             <a:fld id="{78C97017-6FC3-485B-9764-EAC9E56C1D49}" type="datetimeFigureOut">
               <a:rPr lang="en-US" smtClean="0"/>
-              <a:t>10/14/2018</a:t>
+              <a:t>11/5/2018</a:t>
             </a:fld>
             <a:endParaRPr lang="en-US"/>
           </a:p>
@@ -3067,7 +3067,7 @@
           <a:p>
             <a:fld id="{78C97017-6FC3-485B-9764-EAC9E56C1D49}" type="datetimeFigureOut">
               <a:rPr lang="en-US" smtClean="0"/>
-              <a:t>10/14/2018</a:t>
+              <a:t>11/5/2018</a:t>
             </a:fld>
             <a:endParaRPr lang="en-US"/>
           </a:p>
@@ -4924,13 +4924,14 @@
           </p:cNvPr>
           <p:cNvCxnSpPr>
             <a:cxnSpLocks/>
+            <a:endCxn id="65" idx="2"/>
           </p:cNvCxnSpPr>
           <p:nvPr/>
         </p:nvCxnSpPr>
         <p:spPr>
           <a:xfrm>
             <a:off x="1387191" y="4036462"/>
-            <a:ext cx="3831517" cy="0"/>
+            <a:ext cx="3586044" cy="2138"/>
           </a:xfrm>
           <a:prstGeom prst="straightConnector1">
             <a:avLst/>

--- a/docs/diagrams/VoteSequenceDiagram.pptx
+++ b/docs/diagrams/VoteSequenceDiagram.pptx
@@ -208,7 +208,7 @@
           <a:p>
             <a:fld id="{F5CC4B3F-88C1-4FFA-B1B6-F41C21DC6924}" type="datetimeFigureOut">
               <a:rPr lang="en-US" smtClean="0"/>
-              <a:t>11/5/2018</a:t>
+              <a:t>11/6/2018</a:t>
             </a:fld>
             <a:endParaRPr lang="en-US"/>
           </a:p>
@@ -654,7 +654,7 @@
           <a:p>
             <a:fld id="{78C97017-6FC3-485B-9764-EAC9E56C1D49}" type="datetimeFigureOut">
               <a:rPr lang="en-US" smtClean="0"/>
-              <a:t>11/5/2018</a:t>
+              <a:t>11/6/2018</a:t>
             </a:fld>
             <a:endParaRPr lang="en-US"/>
           </a:p>
@@ -822,7 +822,7 @@
           <a:p>
             <a:fld id="{78C97017-6FC3-485B-9764-EAC9E56C1D49}" type="datetimeFigureOut">
               <a:rPr lang="en-US" smtClean="0"/>
-              <a:t>11/5/2018</a:t>
+              <a:t>11/6/2018</a:t>
             </a:fld>
             <a:endParaRPr lang="en-US"/>
           </a:p>
@@ -1000,7 +1000,7 @@
           <a:p>
             <a:fld id="{78C97017-6FC3-485B-9764-EAC9E56C1D49}" type="datetimeFigureOut">
               <a:rPr lang="en-US" smtClean="0"/>
-              <a:t>11/5/2018</a:t>
+              <a:t>11/6/2018</a:t>
             </a:fld>
             <a:endParaRPr lang="en-US"/>
           </a:p>
@@ -1168,7 +1168,7 @@
           <a:p>
             <a:fld id="{78C97017-6FC3-485B-9764-EAC9E56C1D49}" type="datetimeFigureOut">
               <a:rPr lang="en-US" smtClean="0"/>
-              <a:t>11/5/2018</a:t>
+              <a:t>11/6/2018</a:t>
             </a:fld>
             <a:endParaRPr lang="en-US"/>
           </a:p>
@@ -1413,7 +1413,7 @@
           <a:p>
             <a:fld id="{78C97017-6FC3-485B-9764-EAC9E56C1D49}" type="datetimeFigureOut">
               <a:rPr lang="en-US" smtClean="0"/>
-              <a:t>11/5/2018</a:t>
+              <a:t>11/6/2018</a:t>
             </a:fld>
             <a:endParaRPr lang="en-US"/>
           </a:p>
@@ -1698,7 +1698,7 @@
           <a:p>
             <a:fld id="{78C97017-6FC3-485B-9764-EAC9E56C1D49}" type="datetimeFigureOut">
               <a:rPr lang="en-US" smtClean="0"/>
-              <a:t>11/5/2018</a:t>
+              <a:t>11/6/2018</a:t>
             </a:fld>
             <a:endParaRPr lang="en-US"/>
           </a:p>
@@ -2117,7 +2117,7 @@
           <a:p>
             <a:fld id="{78C97017-6FC3-485B-9764-EAC9E56C1D49}" type="datetimeFigureOut">
               <a:rPr lang="en-US" smtClean="0"/>
-              <a:t>11/5/2018</a:t>
+              <a:t>11/6/2018</a:t>
             </a:fld>
             <a:endParaRPr lang="en-US"/>
           </a:p>
@@ -2234,7 +2234,7 @@
           <a:p>
             <a:fld id="{78C97017-6FC3-485B-9764-EAC9E56C1D49}" type="datetimeFigureOut">
               <a:rPr lang="en-US" smtClean="0"/>
-              <a:t>11/5/2018</a:t>
+              <a:t>11/6/2018</a:t>
             </a:fld>
             <a:endParaRPr lang="en-US"/>
           </a:p>
@@ -2329,7 +2329,7 @@
           <a:p>
             <a:fld id="{78C97017-6FC3-485B-9764-EAC9E56C1D49}" type="datetimeFigureOut">
               <a:rPr lang="en-US" smtClean="0"/>
-              <a:t>11/5/2018</a:t>
+              <a:t>11/6/2018</a:t>
             </a:fld>
             <a:endParaRPr lang="en-US"/>
           </a:p>
@@ -2604,7 +2604,7 @@
           <a:p>
             <a:fld id="{78C97017-6FC3-485B-9764-EAC9E56C1D49}" type="datetimeFigureOut">
               <a:rPr lang="en-US" smtClean="0"/>
-              <a:t>11/5/2018</a:t>
+              <a:t>11/6/2018</a:t>
             </a:fld>
             <a:endParaRPr lang="en-US"/>
           </a:p>
@@ -2856,7 +2856,7 @@
           <a:p>
             <a:fld id="{78C97017-6FC3-485B-9764-EAC9E56C1D49}" type="datetimeFigureOut">
               <a:rPr lang="en-US" smtClean="0"/>
-              <a:t>11/5/2018</a:t>
+              <a:t>11/6/2018</a:t>
             </a:fld>
             <a:endParaRPr lang="en-US"/>
           </a:p>
@@ -3067,7 +3067,7 @@
           <a:p>
             <a:fld id="{78C97017-6FC3-485B-9764-EAC9E56C1D49}" type="datetimeFigureOut">
               <a:rPr lang="en-US" smtClean="0"/>
-              <a:t>11/5/2018</a:t>
+              <a:t>11/6/2018</a:t>
             </a:fld>
             <a:endParaRPr lang="en-US"/>
           </a:p>
@@ -4642,7 +4642,7 @@
         <p:spPr>
           <a:xfrm>
             <a:off x="6284203" y="2958107"/>
-            <a:ext cx="168896" cy="775693"/>
+            <a:ext cx="153780" cy="967536"/>
           </a:xfrm>
           <a:prstGeom prst="rect">
             <a:avLst/>
@@ -5014,7 +5014,7 @@
         </p:nvCxnSpPr>
         <p:spPr>
           <a:xfrm flipV="1">
-            <a:off x="6440667" y="3564915"/>
+            <a:off x="6452134" y="3806478"/>
             <a:ext cx="1470216" cy="6325"/>
           </a:xfrm>
           <a:prstGeom prst="straightConnector1">
@@ -5061,8 +5061,8 @@
         </p:nvCxnSpPr>
         <p:spPr>
           <a:xfrm>
-            <a:off x="5072595" y="3733799"/>
-            <a:ext cx="1296056" cy="0"/>
+            <a:off x="5049165" y="3918465"/>
+            <a:ext cx="1311928" cy="7178"/>
           </a:xfrm>
           <a:prstGeom prst="straightConnector1">
             <a:avLst/>
@@ -5216,8 +5216,8 @@
         </p:nvSpPr>
         <p:spPr>
           <a:xfrm>
-            <a:off x="7910037" y="3182840"/>
-            <a:ext cx="193412" cy="392236"/>
+            <a:off x="7910037" y="3182839"/>
+            <a:ext cx="175830" cy="634426"/>
           </a:xfrm>
           <a:prstGeom prst="rect">
             <a:avLst/>
@@ -5271,7 +5271,7 @@
         </p:nvCxnSpPr>
         <p:spPr>
           <a:xfrm>
-            <a:off x="8078934" y="3276600"/>
+            <a:off x="8094800" y="3276600"/>
             <a:ext cx="1470216" cy="0"/>
           </a:xfrm>
           <a:prstGeom prst="straightConnector1">
@@ -5314,9 +5314,9 @@
           <p:nvPr/>
         </p:nvCxnSpPr>
         <p:spPr>
-          <a:xfrm flipV="1">
-            <a:off x="8049552" y="3429000"/>
-            <a:ext cx="1470216" cy="6325"/>
+          <a:xfrm>
+            <a:off x="8094800" y="3428997"/>
+            <a:ext cx="1424968" cy="3"/>
           </a:xfrm>
           <a:prstGeom prst="straightConnector1">
             <a:avLst/>
@@ -5482,7 +5482,7 @@
         <p:spPr>
           <a:xfrm>
             <a:off x="9535872" y="3276600"/>
-            <a:ext cx="180225" cy="167448"/>
+            <a:ext cx="218905" cy="144047"/>
           </a:xfrm>
           <a:prstGeom prst="rect">
             <a:avLst/>
@@ -5648,10 +5648,107 @@
       </p:sp>
       <p:sp>
         <p:nvSpPr>
-          <p:cNvPr id="75" name="TextBox 74">
+          <p:cNvPr id="51" name="Rectangle 50">
             <a:extLst>
               <a:ext uri="{FF2B5EF4-FFF2-40B4-BE49-F238E27FC236}">
-                <a16:creationId xmlns:a16="http://schemas.microsoft.com/office/drawing/2014/main" id="{CAE5541F-678A-4B9D-B2A5-3E6F009C6828}"/>
+                <a16:creationId xmlns:a16="http://schemas.microsoft.com/office/drawing/2014/main" id="{A6B965FC-EAD9-4548-9EAE-2561A2E9E0DA}"/>
+              </a:ext>
+            </a:extLst>
+          </p:cNvPr>
+          <p:cNvSpPr/>
+          <p:nvPr/>
+        </p:nvSpPr>
+        <p:spPr>
+          <a:xfrm>
+            <a:off x="9550542" y="3588586"/>
+            <a:ext cx="180225" cy="167448"/>
+          </a:xfrm>
+          <a:prstGeom prst="rect">
+            <a:avLst/>
+          </a:prstGeom>
+          <a:solidFill>
+            <a:srgbClr val="7030A0"/>
+          </a:solidFill>
+          <a:ln>
+            <a:solidFill>
+              <a:srgbClr val="7030A0"/>
+            </a:solidFill>
+          </a:ln>
+          <a:effectLst/>
+        </p:spPr>
+        <p:style>
+          <a:lnRef idx="1">
+            <a:schemeClr val="accent3"/>
+          </a:lnRef>
+          <a:fillRef idx="2">
+            <a:schemeClr val="accent3"/>
+          </a:fillRef>
+          <a:effectRef idx="1">
+            <a:schemeClr val="accent3"/>
+          </a:effectRef>
+          <a:fontRef idx="minor">
+            <a:schemeClr val="dk1"/>
+          </a:fontRef>
+        </p:style>
+        <p:txBody>
+          <a:bodyPr rtlCol="0" anchor="ctr"/>
+          <a:lstStyle/>
+          <a:p>
+            <a:pPr algn="ctr"/>
+            <a:endParaRPr lang="en-SG" sz="1400"/>
+          </a:p>
+        </p:txBody>
+      </p:sp>
+      <p:cxnSp>
+        <p:nvCxnSpPr>
+          <p:cNvPr id="62" name="Straight Arrow Connector 61">
+            <a:extLst>
+              <a:ext uri="{FF2B5EF4-FFF2-40B4-BE49-F238E27FC236}">
+                <a16:creationId xmlns:a16="http://schemas.microsoft.com/office/drawing/2014/main" id="{B4162134-B082-40FA-88E0-DFD15D707239}"/>
+              </a:ext>
+            </a:extLst>
+          </p:cNvPr>
+          <p:cNvCxnSpPr>
+            <a:cxnSpLocks/>
+          </p:cNvCxnSpPr>
+          <p:nvPr/>
+        </p:nvCxnSpPr>
+        <p:spPr>
+          <a:xfrm>
+            <a:off x="8085867" y="3564915"/>
+            <a:ext cx="1470216" cy="0"/>
+          </a:xfrm>
+          <a:prstGeom prst="straightConnector1">
+            <a:avLst/>
+          </a:prstGeom>
+          <a:ln w="19050">
+            <a:solidFill>
+              <a:srgbClr val="7030A0"/>
+            </a:solidFill>
+            <a:tailEnd type="arrow"/>
+          </a:ln>
+        </p:spPr>
+        <p:style>
+          <a:lnRef idx="1">
+            <a:schemeClr val="accent1"/>
+          </a:lnRef>
+          <a:fillRef idx="0">
+            <a:schemeClr val="accent1"/>
+          </a:fillRef>
+          <a:effectRef idx="0">
+            <a:schemeClr val="accent1"/>
+          </a:effectRef>
+          <a:fontRef idx="minor">
+            <a:schemeClr val="tx1"/>
+          </a:fontRef>
+        </p:style>
+      </p:cxnSp>
+      <p:sp>
+        <p:nvSpPr>
+          <p:cNvPr id="64" name="TextBox 63">
+            <a:extLst>
+              <a:ext uri="{FF2B5EF4-FFF2-40B4-BE49-F238E27FC236}">
+                <a16:creationId xmlns:a16="http://schemas.microsoft.com/office/drawing/2014/main" id="{383D6FFD-B6C5-49E0-949D-BBEED9FC1B00}"/>
               </a:ext>
             </a:extLst>
           </p:cNvPr>
@@ -5660,8 +5757,8 @@
         </p:nvSpPr>
         <p:spPr>
           <a:xfrm>
-            <a:off x="5642311" y="3759952"/>
-            <a:ext cx="127945" cy="184666"/>
+            <a:off x="7914367" y="3430802"/>
+            <a:ext cx="1461385" cy="138499"/>
           </a:xfrm>
           <a:prstGeom prst="rect">
             <a:avLst/>
@@ -5686,25 +5783,77 @@
           </a:lstStyle>
           <a:p>
             <a:r>
-              <a:rPr lang="en-US" sz="1200" dirty="0">
+              <a:rPr lang="en-US" sz="900" dirty="0" err="1">
                 <a:solidFill>
-                  <a:schemeClr val="accent4">
-                    <a:lumMod val="75000"/>
-                  </a:schemeClr>
+                  <a:srgbClr val="7030A0"/>
                 </a:solidFill>
               </a:rPr>
-              <a:t>p</a:t>
-            </a:r>
-            <a:endParaRPr lang="en-US" sz="1200" dirty="0"/>
-          </a:p>
-        </p:txBody>
-      </p:sp>
-      <p:sp>
-        <p:nvSpPr>
-          <p:cNvPr id="76" name="TextBox 75">
+              <a:t>displayPoll</a:t>
+            </a:r>
+            <a:r>
+              <a:rPr lang="en-US" sz="900" dirty="0">
+                <a:solidFill>
+                  <a:srgbClr val="7030A0"/>
+                </a:solidFill>
+              </a:rPr>
+              <a:t>()</a:t>
+            </a:r>
+            <a:endParaRPr lang="en-US" sz="900" dirty="0"/>
+          </a:p>
+        </p:txBody>
+      </p:sp>
+      <p:cxnSp>
+        <p:nvCxnSpPr>
+          <p:cNvPr id="71" name="Straight Arrow Connector 70">
             <a:extLst>
               <a:ext uri="{FF2B5EF4-FFF2-40B4-BE49-F238E27FC236}">
-                <a16:creationId xmlns:a16="http://schemas.microsoft.com/office/drawing/2014/main" id="{7E5DDB83-3662-427F-AF94-9C8117F4A738}"/>
+                <a16:creationId xmlns:a16="http://schemas.microsoft.com/office/drawing/2014/main" id="{BEA3D496-3A21-49B1-AC2A-8D4693C2E69F}"/>
+              </a:ext>
+            </a:extLst>
+          </p:cNvPr>
+          <p:cNvCxnSpPr>
+            <a:cxnSpLocks/>
+          </p:cNvCxnSpPr>
+          <p:nvPr/>
+        </p:nvCxnSpPr>
+        <p:spPr>
+          <a:xfrm>
+            <a:off x="8094800" y="3753788"/>
+            <a:ext cx="1441072" cy="6164"/>
+          </a:xfrm>
+          <a:prstGeom prst="straightConnector1">
+            <a:avLst/>
+          </a:prstGeom>
+          <a:ln w="19050">
+            <a:solidFill>
+              <a:srgbClr val="7030A0"/>
+            </a:solidFill>
+            <a:prstDash val="sysDash"/>
+            <a:headEnd type="arrow" w="med" len="med"/>
+            <a:tailEnd type="none" w="med" len="med"/>
+          </a:ln>
+        </p:spPr>
+        <p:style>
+          <a:lnRef idx="1">
+            <a:schemeClr val="accent1"/>
+          </a:lnRef>
+          <a:fillRef idx="0">
+            <a:schemeClr val="accent1"/>
+          </a:fillRef>
+          <a:effectRef idx="0">
+            <a:schemeClr val="accent1"/>
+          </a:effectRef>
+          <a:fontRef idx="minor">
+            <a:schemeClr val="tx1"/>
+          </a:fontRef>
+        </p:style>
+      </p:cxnSp>
+      <p:sp>
+        <p:nvSpPr>
+          <p:cNvPr id="72" name="TextBox 71">
+            <a:extLst>
+              <a:ext uri="{FF2B5EF4-FFF2-40B4-BE49-F238E27FC236}">
+                <a16:creationId xmlns:a16="http://schemas.microsoft.com/office/drawing/2014/main" id="{B52328D5-473C-429E-9C43-AE1ABF351230}"/>
               </a:ext>
             </a:extLst>
           </p:cNvPr>
@@ -5713,8 +5862,8 @@
         </p:nvSpPr>
         <p:spPr>
           <a:xfrm>
-            <a:off x="7010400" y="3581400"/>
-            <a:ext cx="127945" cy="184666"/>
+            <a:off x="8442528" y="3780073"/>
+            <a:ext cx="1005416" cy="169277"/>
           </a:xfrm>
           <a:prstGeom prst="rect">
             <a:avLst/>
@@ -5739,16 +5888,122 @@
           </a:lstStyle>
           <a:p>
             <a:r>
-              <a:rPr lang="en-US" sz="1200" dirty="0">
+              <a:rPr lang="en-US" sz="1100" dirty="0" err="1">
                 <a:solidFill>
                   <a:schemeClr val="accent4">
                     <a:lumMod val="75000"/>
                   </a:schemeClr>
                 </a:solidFill>
               </a:rPr>
-              <a:t>p</a:t>
-            </a:r>
-            <a:endParaRPr lang="en-US" sz="1200" dirty="0"/>
+              <a:t>pollDetails</a:t>
+            </a:r>
+            <a:endParaRPr lang="en-US" sz="1100" dirty="0"/>
+          </a:p>
+        </p:txBody>
+      </p:sp>
+      <p:sp>
+        <p:nvSpPr>
+          <p:cNvPr id="77" name="TextBox 76">
+            <a:extLst>
+              <a:ext uri="{FF2B5EF4-FFF2-40B4-BE49-F238E27FC236}">
+                <a16:creationId xmlns:a16="http://schemas.microsoft.com/office/drawing/2014/main" id="{29B66C95-AE72-4EC3-85F0-2DF3FFFC1A8F}"/>
+              </a:ext>
+            </a:extLst>
+          </p:cNvPr>
+          <p:cNvSpPr txBox="1"/>
+          <p:nvPr/>
+        </p:nvSpPr>
+        <p:spPr>
+          <a:xfrm>
+            <a:off x="5239654" y="3942577"/>
+            <a:ext cx="1005416" cy="169277"/>
+          </a:xfrm>
+          <a:prstGeom prst="rect">
+            <a:avLst/>
+          </a:prstGeom>
+          <a:noFill/>
+        </p:spPr>
+        <p:txBody>
+          <a:bodyPr wrap="square" lIns="0" tIns="0" rIns="0" bIns="0" rtlCol="0">
+            <a:spAutoFit/>
+          </a:bodyPr>
+          <a:lstStyle>
+            <a:defPPr>
+              <a:defRPr lang="en-US"/>
+            </a:defPPr>
+            <a:lvl1pPr algn="r">
+              <a:defRPr sz="1400">
+                <a:solidFill>
+                  <a:srgbClr val="0070C0"/>
+                </a:solidFill>
+              </a:defRPr>
+            </a:lvl1pPr>
+          </a:lstStyle>
+          <a:p>
+            <a:r>
+              <a:rPr lang="en-US" sz="1100" dirty="0" err="1">
+                <a:solidFill>
+                  <a:schemeClr val="accent4">
+                    <a:lumMod val="75000"/>
+                  </a:schemeClr>
+                </a:solidFill>
+              </a:rPr>
+              <a:t>pollDetails</a:t>
+            </a:r>
+            <a:endParaRPr lang="en-US" sz="1100" dirty="0"/>
+          </a:p>
+        </p:txBody>
+      </p:sp>
+      <p:sp>
+        <p:nvSpPr>
+          <p:cNvPr id="78" name="TextBox 77">
+            <a:extLst>
+              <a:ext uri="{FF2B5EF4-FFF2-40B4-BE49-F238E27FC236}">
+                <a16:creationId xmlns:a16="http://schemas.microsoft.com/office/drawing/2014/main" id="{828ADB50-F444-451D-9378-F72B03E0CB7A}"/>
+              </a:ext>
+            </a:extLst>
+          </p:cNvPr>
+          <p:cNvSpPr txBox="1"/>
+          <p:nvPr/>
+        </p:nvSpPr>
+        <p:spPr>
+          <a:xfrm>
+            <a:off x="6847051" y="3814178"/>
+            <a:ext cx="1005416" cy="169277"/>
+          </a:xfrm>
+          <a:prstGeom prst="rect">
+            <a:avLst/>
+          </a:prstGeom>
+          <a:noFill/>
+        </p:spPr>
+        <p:txBody>
+          <a:bodyPr wrap="square" lIns="0" tIns="0" rIns="0" bIns="0" rtlCol="0">
+            <a:spAutoFit/>
+          </a:bodyPr>
+          <a:lstStyle>
+            <a:defPPr>
+              <a:defRPr lang="en-US"/>
+            </a:defPPr>
+            <a:lvl1pPr algn="r">
+              <a:defRPr sz="1400">
+                <a:solidFill>
+                  <a:srgbClr val="0070C0"/>
+                </a:solidFill>
+              </a:defRPr>
+            </a:lvl1pPr>
+          </a:lstStyle>
+          <a:p>
+            <a:r>
+              <a:rPr lang="en-US" sz="1100" dirty="0" err="1">
+                <a:solidFill>
+                  <a:schemeClr val="accent4">
+                    <a:lumMod val="75000"/>
+                  </a:schemeClr>
+                </a:solidFill>
+              </a:rPr>
+              <a:t>pollDetails</a:t>
+            </a:r>
+            <a:endParaRPr lang="en-US" sz="1100" dirty="0"/>
           </a:p>
         </p:txBody>
       </p:sp>

--- a/docs/diagrams/VoteSequenceDiagram.pptx
+++ b/docs/diagrams/VoteSequenceDiagram.pptx
@@ -208,7 +208,7 @@
           <a:p>
             <a:fld id="{F5CC4B3F-88C1-4FFA-B1B6-F41C21DC6924}" type="datetimeFigureOut">
               <a:rPr lang="en-US" smtClean="0"/>
-              <a:t>11/6/2018</a:t>
+              <a:t>11/11/2018</a:t>
             </a:fld>
             <a:endParaRPr lang="en-US"/>
           </a:p>
@@ -654,7 +654,7 @@
           <a:p>
             <a:fld id="{78C97017-6FC3-485B-9764-EAC9E56C1D49}" type="datetimeFigureOut">
               <a:rPr lang="en-US" smtClean="0"/>
-              <a:t>11/6/2018</a:t>
+              <a:t>11/11/2018</a:t>
             </a:fld>
             <a:endParaRPr lang="en-US"/>
           </a:p>
@@ -822,7 +822,7 @@
           <a:p>
             <a:fld id="{78C97017-6FC3-485B-9764-EAC9E56C1D49}" type="datetimeFigureOut">
               <a:rPr lang="en-US" smtClean="0"/>
-              <a:t>11/6/2018</a:t>
+              <a:t>11/11/2018</a:t>
             </a:fld>
             <a:endParaRPr lang="en-US"/>
           </a:p>
@@ -1000,7 +1000,7 @@
           <a:p>
             <a:fld id="{78C97017-6FC3-485B-9764-EAC9E56C1D49}" type="datetimeFigureOut">
               <a:rPr lang="en-US" smtClean="0"/>
-              <a:t>11/6/2018</a:t>
+              <a:t>11/11/2018</a:t>
             </a:fld>
             <a:endParaRPr lang="en-US"/>
           </a:p>
@@ -1168,7 +1168,7 @@
           <a:p>
             <a:fld id="{78C97017-6FC3-485B-9764-EAC9E56C1D49}" type="datetimeFigureOut">
               <a:rPr lang="en-US" smtClean="0"/>
-              <a:t>11/6/2018</a:t>
+              <a:t>11/11/2018</a:t>
             </a:fld>
             <a:endParaRPr lang="en-US"/>
           </a:p>
@@ -1413,7 +1413,7 @@
           <a:p>
             <a:fld id="{78C97017-6FC3-485B-9764-EAC9E56C1D49}" type="datetimeFigureOut">
               <a:rPr lang="en-US" smtClean="0"/>
-              <a:t>11/6/2018</a:t>
+              <a:t>11/11/2018</a:t>
             </a:fld>
             <a:endParaRPr lang="en-US"/>
           </a:p>
@@ -1698,7 +1698,7 @@
           <a:p>
             <a:fld id="{78C97017-6FC3-485B-9764-EAC9E56C1D49}" type="datetimeFigureOut">
               <a:rPr lang="en-US" smtClean="0"/>
-              <a:t>11/6/2018</a:t>
+              <a:t>11/11/2018</a:t>
             </a:fld>
             <a:endParaRPr lang="en-US"/>
           </a:p>
@@ -2117,7 +2117,7 @@
           <a:p>
             <a:fld id="{78C97017-6FC3-485B-9764-EAC9E56C1D49}" type="datetimeFigureOut">
               <a:rPr lang="en-US" smtClean="0"/>
-              <a:t>11/6/2018</a:t>
+              <a:t>11/11/2018</a:t>
             </a:fld>
             <a:endParaRPr lang="en-US"/>
           </a:p>
@@ -2234,7 +2234,7 @@
           <a:p>
             <a:fld id="{78C97017-6FC3-485B-9764-EAC9E56C1D49}" type="datetimeFigureOut">
               <a:rPr lang="en-US" smtClean="0"/>
-              <a:t>11/6/2018</a:t>
+              <a:t>11/11/2018</a:t>
             </a:fld>
             <a:endParaRPr lang="en-US"/>
           </a:p>
@@ -2329,7 +2329,7 @@
           <a:p>
             <a:fld id="{78C97017-6FC3-485B-9764-EAC9E56C1D49}" type="datetimeFigureOut">
               <a:rPr lang="en-US" smtClean="0"/>
-              <a:t>11/6/2018</a:t>
+              <a:t>11/11/2018</a:t>
             </a:fld>
             <a:endParaRPr lang="en-US"/>
           </a:p>
@@ -2604,7 +2604,7 @@
           <a:p>
             <a:fld id="{78C97017-6FC3-485B-9764-EAC9E56C1D49}" type="datetimeFigureOut">
               <a:rPr lang="en-US" smtClean="0"/>
-              <a:t>11/6/2018</a:t>
+              <a:t>11/11/2018</a:t>
             </a:fld>
             <a:endParaRPr lang="en-US"/>
           </a:p>
@@ -2856,7 +2856,7 @@
           <a:p>
             <a:fld id="{78C97017-6FC3-485B-9764-EAC9E56C1D49}" type="datetimeFigureOut">
               <a:rPr lang="en-US" smtClean="0"/>
-              <a:t>11/6/2018</a:t>
+              <a:t>11/11/2018</a:t>
             </a:fld>
             <a:endParaRPr lang="en-US"/>
           </a:p>
@@ -3067,7 +3067,7 @@
           <a:p>
             <a:fld id="{78C97017-6FC3-485B-9764-EAC9E56C1D49}" type="datetimeFigureOut">
               <a:rPr lang="en-US" smtClean="0"/>
-              <a:t>11/6/2018</a:t>
+              <a:t>11/11/2018</a:t>
             </a:fld>
             <a:endParaRPr lang="en-US"/>
           </a:p>
@@ -3450,8 +3450,8 @@
         </p:nvSpPr>
         <p:spPr>
           <a:xfrm>
-            <a:off x="5856052" y="118895"/>
-            <a:ext cx="4376664" cy="4400926"/>
+            <a:off x="5816276" y="118895"/>
+            <a:ext cx="4376664" cy="5062705"/>
           </a:xfrm>
           <a:prstGeom prst="roundRect">
             <a:avLst>
@@ -3512,7 +3512,7 @@
         <p:spPr>
           <a:xfrm>
             <a:off x="163006" y="163018"/>
-            <a:ext cx="5503285" cy="4343400"/>
+            <a:ext cx="5503285" cy="5018582"/>
           </a:xfrm>
           <a:prstGeom prst="roundRect">
             <a:avLst>
@@ -3572,7 +3572,7 @@
         </p:nvSpPr>
         <p:spPr>
           <a:xfrm>
-            <a:off x="578338" y="543946"/>
+            <a:off x="578336" y="455934"/>
             <a:ext cx="1455629" cy="346760"/>
           </a:xfrm>
           <a:prstGeom prst="rect">
@@ -3641,8 +3641,8 @@
         </p:nvCxnSpPr>
         <p:spPr>
           <a:xfrm>
-            <a:off x="1306151" y="907618"/>
-            <a:ext cx="0" cy="3481399"/>
+            <a:off x="1306150" y="802694"/>
+            <a:ext cx="1" cy="3586323"/>
           </a:xfrm>
           <a:prstGeom prst="line">
             <a:avLst/>
@@ -3679,7 +3679,7 @@
         <p:spPr>
           <a:xfrm>
             <a:off x="1234143" y="1258312"/>
-            <a:ext cx="152400" cy="2932689"/>
+            <a:ext cx="151614" cy="3679713"/>
           </a:xfrm>
           <a:prstGeom prst="rect">
             <a:avLst/>
@@ -3883,9 +3883,9 @@
           <p:nvPr/>
         </p:nvCxnSpPr>
         <p:spPr>
-          <a:xfrm>
-            <a:off x="4968774" y="1612347"/>
-            <a:ext cx="0" cy="2645864"/>
+          <a:xfrm flipH="1">
+            <a:off x="4953542" y="1612348"/>
+            <a:ext cx="15232" cy="3170277"/>
           </a:xfrm>
           <a:prstGeom prst="line">
             <a:avLst/>
@@ -4004,8 +4004,8 @@
         </p:nvSpPr>
         <p:spPr>
           <a:xfrm>
-            <a:off x="-457200" y="1045046"/>
-            <a:ext cx="1704832" cy="169277"/>
+            <a:off x="44972" y="855782"/>
+            <a:ext cx="1090940" cy="369332"/>
           </a:xfrm>
           <a:prstGeom prst="rect">
             <a:avLst/>
@@ -4020,7 +4020,7 @@
           <a:p>
             <a:pPr algn="r"/>
             <a:r>
-              <a:rPr lang="en-US" sz="1100" dirty="0">
+              <a:rPr lang="en-US" sz="1200" dirty="0">
                 <a:solidFill>
                   <a:srgbClr val="0070C0"/>
                 </a:solidFill>
@@ -4028,7 +4028,7 @@
               <a:t>execute(“vote </a:t>
             </a:r>
             <a:r>
-              <a:rPr lang="en-US" sz="1100" dirty="0" err="1">
+              <a:rPr lang="en-US" sz="1200" dirty="0" err="1">
                 <a:solidFill>
                   <a:srgbClr val="0070C0"/>
                 </a:solidFill>
@@ -4036,7 +4036,7 @@
               <a:t>i</a:t>
             </a:r>
             <a:r>
-              <a:rPr lang="en-US" sz="1100" dirty="0">
+              <a:rPr lang="en-US" sz="1200" dirty="0">
                 <a:solidFill>
                   <a:srgbClr val="0070C0"/>
                 </a:solidFill>
@@ -4209,13 +4209,16 @@
       <p:cxnSp>
         <p:nvCxnSpPr>
           <p:cNvPr id="37" name="Straight Arrow Connector 36"/>
-          <p:cNvCxnSpPr/>
+          <p:cNvCxnSpPr>
+            <a:cxnSpLocks/>
+            <a:endCxn id="6" idx="2"/>
+          </p:cNvCxnSpPr>
           <p:nvPr/>
         </p:nvCxnSpPr>
         <p:spPr>
           <a:xfrm>
-            <a:off x="76192" y="4191000"/>
-            <a:ext cx="1196051" cy="0"/>
+            <a:off x="0" y="4938024"/>
+            <a:ext cx="1309950" cy="1"/>
           </a:xfrm>
           <a:prstGeom prst="straightConnector1">
             <a:avLst/>
@@ -4252,8 +4255,8 @@
         </p:nvSpPr>
         <p:spPr>
           <a:xfrm>
-            <a:off x="4892574" y="2731315"/>
-            <a:ext cx="161322" cy="1307285"/>
+            <a:off x="4892573" y="2731315"/>
+            <a:ext cx="189761" cy="1779077"/>
           </a:xfrm>
           <a:prstGeom prst="rect">
             <a:avLst/>
@@ -4299,8 +4302,8 @@
         </p:nvSpPr>
         <p:spPr>
           <a:xfrm>
-            <a:off x="4898845" y="2530238"/>
-            <a:ext cx="1408282" cy="338554"/>
+            <a:off x="4929999" y="2546094"/>
+            <a:ext cx="1408282" cy="369332"/>
           </a:xfrm>
           <a:prstGeom prst="rect">
             <a:avLst/>
@@ -4325,7 +4328,7 @@
           </a:lstStyle>
           <a:p>
             <a:r>
-              <a:rPr lang="en-US" sz="1100" dirty="0" err="1">
+              <a:rPr lang="en-US" sz="1200" dirty="0" err="1">
                 <a:solidFill>
                   <a:schemeClr val="accent4">
                     <a:lumMod val="75000"/>
@@ -4335,7 +4338,7 @@
               <a:t>voteOption</a:t>
             </a:r>
             <a:r>
-              <a:rPr lang="en-US" sz="1100" dirty="0">
+              <a:rPr lang="en-US" sz="1200" dirty="0">
                 <a:solidFill>
                   <a:srgbClr val="7030A0"/>
                 </a:solidFill>
@@ -4343,7 +4346,7 @@
               <a:t>(</a:t>
             </a:r>
             <a:r>
-              <a:rPr lang="en-US" sz="1100" dirty="0" err="1">
+              <a:rPr lang="en-US" sz="1200" dirty="0" err="1">
                 <a:solidFill>
                   <a:srgbClr val="7030A0"/>
                 </a:solidFill>
@@ -4351,14 +4354,14 @@
               <a:t>pollIndex</a:t>
             </a:r>
             <a:r>
-              <a:rPr lang="en-US" sz="1100" dirty="0">
+              <a:rPr lang="en-US" sz="1200" dirty="0">
                 <a:solidFill>
                   <a:srgbClr val="7030A0"/>
                 </a:solidFill>
               </a:rPr>
               <a:t>, option)</a:t>
             </a:r>
-            <a:endParaRPr lang="en-US" sz="1100" dirty="0"/>
+            <a:endParaRPr lang="en-US" sz="1200" dirty="0"/>
           </a:p>
         </p:txBody>
       </p:sp>
@@ -4370,8 +4373,8 @@
         </p:nvSpPr>
         <p:spPr>
           <a:xfrm>
-            <a:off x="1472181" y="1106151"/>
-            <a:ext cx="2143065" cy="169277"/>
+            <a:off x="1469158" y="945337"/>
+            <a:ext cx="2143065" cy="369332"/>
           </a:xfrm>
           <a:prstGeom prst="rect">
             <a:avLst/>
@@ -4396,19 +4399,19 @@
           </a:lstStyle>
           <a:p>
             <a:r>
-              <a:rPr lang="en-US" sz="1100" dirty="0" err="1"/>
+              <a:rPr lang="en-US" sz="1200" dirty="0" err="1"/>
               <a:t>parseCommand</a:t>
             </a:r>
             <a:r>
-              <a:rPr lang="en-US" sz="1100" dirty="0"/>
+              <a:rPr lang="en-US" sz="1200" dirty="0"/>
               <a:t>(“vote </a:t>
             </a:r>
             <a:r>
-              <a:rPr lang="en-US" sz="1100" dirty="0" err="1"/>
+              <a:rPr lang="en-US" sz="1200" dirty="0" err="1"/>
               <a:t>i</a:t>
             </a:r>
             <a:r>
-              <a:rPr lang="en-US" sz="1100" dirty="0"/>
+              <a:rPr lang="en-US" sz="1200" dirty="0"/>
               <a:t>/1 o/12 Aug”)</a:t>
             </a:r>
           </a:p>
@@ -4422,7 +4425,7 @@
         </p:nvSpPr>
         <p:spPr>
           <a:xfrm>
-            <a:off x="2967947" y="3791076"/>
+            <a:off x="4111943" y="4257282"/>
             <a:ext cx="621216" cy="215444"/>
           </a:xfrm>
           <a:prstGeom prst="rect">
@@ -4462,7 +4465,7 @@
         </p:nvSpPr>
         <p:spPr>
           <a:xfrm>
-            <a:off x="340462" y="3945901"/>
+            <a:off x="375288" y="4674903"/>
             <a:ext cx="762000" cy="215444"/>
           </a:xfrm>
           <a:prstGeom prst="rect">
@@ -4603,9 +4606,9 @@
           <p:nvPr/>
         </p:nvCxnSpPr>
         <p:spPr>
-          <a:xfrm>
-            <a:off x="6378774" y="2049886"/>
-            <a:ext cx="4395" cy="2339131"/>
+          <a:xfrm flipH="1">
+            <a:off x="6368095" y="2049885"/>
+            <a:ext cx="10678" cy="2888139"/>
           </a:xfrm>
           <a:prstGeom prst="line">
             <a:avLst/>
@@ -4641,8 +4644,8 @@
         </p:nvSpPr>
         <p:spPr>
           <a:xfrm>
-            <a:off x="6284203" y="2958107"/>
-            <a:ext cx="153780" cy="967536"/>
+            <a:off x="6284202" y="2958107"/>
+            <a:ext cx="163435" cy="1327550"/>
           </a:xfrm>
           <a:prstGeom prst="rect">
             <a:avLst/>
@@ -4726,7 +4729,7 @@
         </p:nvSpPr>
         <p:spPr>
           <a:xfrm>
-            <a:off x="4824340" y="4231753"/>
+            <a:off x="4824340" y="4789186"/>
             <a:ext cx="258404" cy="261610"/>
           </a:xfrm>
           <a:prstGeom prst="rect">
@@ -4924,13 +4927,12 @@
           </p:cNvPr>
           <p:cNvCxnSpPr>
             <a:cxnSpLocks/>
-            <a:endCxn id="65" idx="2"/>
           </p:cNvCxnSpPr>
           <p:nvPr/>
         </p:nvCxnSpPr>
         <p:spPr>
           <a:xfrm>
-            <a:off x="1387191" y="4036462"/>
+            <a:off x="1367498" y="4527643"/>
             <a:ext cx="3586044" cy="2138"/>
           </a:xfrm>
           <a:prstGeom prst="straightConnector1">
@@ -5014,7 +5016,7 @@
         </p:nvCxnSpPr>
         <p:spPr>
           <a:xfrm flipV="1">
-            <a:off x="6452134" y="3806478"/>
+            <a:off x="6453424" y="4099978"/>
             <a:ext cx="1470216" cy="6325"/>
           </a:xfrm>
           <a:prstGeom prst="straightConnector1">
@@ -5055,13 +5057,12 @@
           </p:cNvPr>
           <p:cNvCxnSpPr>
             <a:cxnSpLocks/>
-            <a:endCxn id="49" idx="2"/>
           </p:cNvCxnSpPr>
           <p:nvPr/>
         </p:nvCxnSpPr>
         <p:spPr>
           <a:xfrm>
-            <a:off x="5049165" y="3918465"/>
+            <a:off x="5073816" y="4292839"/>
             <a:ext cx="1311928" cy="7178"/>
           </a:xfrm>
           <a:prstGeom prst="straightConnector1">
@@ -5173,8 +5174,8 @@
         </p:nvCxnSpPr>
         <p:spPr>
           <a:xfrm>
-            <a:off x="8004609" y="2049886"/>
-            <a:ext cx="4395" cy="2339131"/>
+            <a:off x="8004608" y="2049885"/>
+            <a:ext cx="0" cy="2840462"/>
           </a:xfrm>
           <a:prstGeom prst="line">
             <a:avLst/>
@@ -5216,8 +5217,8 @@
         </p:nvSpPr>
         <p:spPr>
           <a:xfrm>
-            <a:off x="7910037" y="3182839"/>
-            <a:ext cx="175830" cy="634426"/>
+            <a:off x="7910036" y="3182838"/>
+            <a:ext cx="199519" cy="910813"/>
           </a:xfrm>
           <a:prstGeom prst="rect">
             <a:avLst/>
@@ -5359,8 +5360,8 @@
         </p:nvSpPr>
         <p:spPr>
           <a:xfrm>
-            <a:off x="6444257" y="2724656"/>
-            <a:ext cx="1461385" cy="338554"/>
+            <a:off x="6436500" y="2757232"/>
+            <a:ext cx="1541458" cy="369332"/>
           </a:xfrm>
           <a:prstGeom prst="rect">
             <a:avLst/>
@@ -5385,7 +5386,7 @@
           </a:lstStyle>
           <a:p>
             <a:r>
-              <a:rPr lang="en-US" sz="1100" dirty="0" err="1">
+              <a:rPr lang="en-US" sz="1200" dirty="0" err="1">
                 <a:solidFill>
                   <a:schemeClr val="accent4">
                     <a:lumMod val="75000"/>
@@ -5395,7 +5396,7 @@
               <a:t>addVoteToPoll</a:t>
             </a:r>
             <a:r>
-              <a:rPr lang="en-US" sz="1100" dirty="0">
+              <a:rPr lang="en-US" sz="1200" dirty="0">
                 <a:solidFill>
                   <a:srgbClr val="7030A0"/>
                 </a:solidFill>
@@ -5403,7 +5404,7 @@
               <a:t>(</a:t>
             </a:r>
             <a:r>
-              <a:rPr lang="en-US" sz="1100" dirty="0" err="1">
+              <a:rPr lang="en-US" sz="1200" dirty="0" err="1">
                 <a:solidFill>
                   <a:srgbClr val="7030A0"/>
                 </a:solidFill>
@@ -5411,14 +5412,14 @@
               <a:t>pollIndex</a:t>
             </a:r>
             <a:r>
-              <a:rPr lang="en-US" sz="1100" dirty="0">
+              <a:rPr lang="en-US" sz="1200" dirty="0">
                 <a:solidFill>
                   <a:srgbClr val="7030A0"/>
                 </a:solidFill>
               </a:rPr>
               <a:t>, person, option)</a:t>
             </a:r>
-            <a:endParaRPr lang="en-US" sz="1100" dirty="0"/>
+            <a:endParaRPr lang="en-US" sz="1200" dirty="0"/>
           </a:p>
         </p:txBody>
       </p:sp>
@@ -5437,9 +5438,9 @@
           <p:nvPr/>
         </p:nvCxnSpPr>
         <p:spPr>
-          <a:xfrm>
-            <a:off x="9651013" y="2038587"/>
-            <a:ext cx="4395" cy="2339131"/>
+          <a:xfrm flipH="1">
+            <a:off x="9617861" y="2038587"/>
+            <a:ext cx="33152" cy="2851760"/>
           </a:xfrm>
           <a:prstGeom prst="line">
             <a:avLst/>
@@ -5599,8 +5600,8 @@
         </p:nvSpPr>
         <p:spPr>
           <a:xfrm>
-            <a:off x="8063615" y="3048000"/>
-            <a:ext cx="1461385" cy="169277"/>
+            <a:off x="7985715" y="2872798"/>
+            <a:ext cx="1461385" cy="369332"/>
           </a:xfrm>
           <a:prstGeom prst="rect">
             <a:avLst/>
@@ -5625,7 +5626,7 @@
           </a:lstStyle>
           <a:p>
             <a:r>
-              <a:rPr lang="en-US" sz="1100" dirty="0" err="1">
+              <a:rPr lang="en-US" sz="1200" dirty="0" err="1">
                 <a:solidFill>
                   <a:schemeClr val="accent4">
                     <a:lumMod val="75000"/>
@@ -5635,14 +5636,14 @@
               <a:t>addVote</a:t>
             </a:r>
             <a:r>
-              <a:rPr lang="en-US" sz="1100" dirty="0">
+              <a:rPr lang="en-US" sz="1200" dirty="0">
                 <a:solidFill>
                   <a:srgbClr val="7030A0"/>
                 </a:solidFill>
               </a:rPr>
               <a:t>(person, option)</a:t>
             </a:r>
-            <a:endParaRPr lang="en-US" sz="1100" dirty="0"/>
+            <a:endParaRPr lang="en-US" sz="1200" dirty="0"/>
           </a:p>
         </p:txBody>
       </p:sp>
@@ -5660,7 +5661,7 @@
         </p:nvSpPr>
         <p:spPr>
           <a:xfrm>
-            <a:off x="9550542" y="3588586"/>
+            <a:off x="9567454" y="3763197"/>
             <a:ext cx="180225" cy="167448"/>
           </a:xfrm>
           <a:prstGeom prst="rect">
@@ -5715,7 +5716,7 @@
         </p:nvCxnSpPr>
         <p:spPr>
           <a:xfrm>
-            <a:off x="8085867" y="3564915"/>
+            <a:off x="8080246" y="3763197"/>
             <a:ext cx="1470216" cy="0"/>
           </a:xfrm>
           <a:prstGeom prst="straightConnector1">
@@ -5757,8 +5758,8 @@
         </p:nvSpPr>
         <p:spPr>
           <a:xfrm>
-            <a:off x="7914367" y="3430802"/>
-            <a:ext cx="1461385" cy="138499"/>
+            <a:off x="7919426" y="3541548"/>
+            <a:ext cx="1461385" cy="184666"/>
           </a:xfrm>
           <a:prstGeom prst="rect">
             <a:avLst/>
@@ -5783,7 +5784,7 @@
           </a:lstStyle>
           <a:p>
             <a:r>
-              <a:rPr lang="en-US" sz="900" dirty="0" err="1">
+              <a:rPr lang="en-US" sz="1200" dirty="0" err="1">
                 <a:solidFill>
                   <a:srgbClr val="7030A0"/>
                 </a:solidFill>
@@ -5791,14 +5792,14 @@
               <a:t>displayPoll</a:t>
             </a:r>
             <a:r>
-              <a:rPr lang="en-US" sz="900" dirty="0">
+              <a:rPr lang="en-US" sz="1200" dirty="0">
                 <a:solidFill>
                   <a:srgbClr val="7030A0"/>
                 </a:solidFill>
               </a:rPr>
               <a:t>()</a:t>
             </a:r>
-            <a:endParaRPr lang="en-US" sz="900" dirty="0"/>
+            <a:endParaRPr lang="en-US" sz="1200" dirty="0"/>
           </a:p>
         </p:txBody>
       </p:sp>
@@ -5818,7 +5819,7 @@
         </p:nvCxnSpPr>
         <p:spPr>
           <a:xfrm>
-            <a:off x="8094800" y="3753788"/>
+            <a:off x="8109390" y="3918505"/>
             <a:ext cx="1441072" cy="6164"/>
           </a:xfrm>
           <a:prstGeom prst="straightConnector1">
@@ -5862,8 +5863,8 @@
         </p:nvSpPr>
         <p:spPr>
           <a:xfrm>
-            <a:off x="8442528" y="3780073"/>
-            <a:ext cx="1005416" cy="169277"/>
+            <a:off x="8451953" y="3930996"/>
+            <a:ext cx="1005416" cy="184666"/>
           </a:xfrm>
           <a:prstGeom prst="rect">
             <a:avLst/>
@@ -5888,7 +5889,7 @@
           </a:lstStyle>
           <a:p>
             <a:r>
-              <a:rPr lang="en-US" sz="1100" dirty="0" err="1">
+              <a:rPr lang="en-US" sz="1200" dirty="0" err="1">
                 <a:solidFill>
                   <a:schemeClr val="accent4">
                     <a:lumMod val="75000"/>
@@ -5897,7 +5898,7 @@
               </a:rPr>
               <a:t>pollDetails</a:t>
             </a:r>
-            <a:endParaRPr lang="en-US" sz="1100" dirty="0"/>
+            <a:endParaRPr lang="en-US" sz="1200" dirty="0"/>
           </a:p>
         </p:txBody>
       </p:sp>
@@ -5915,8 +5916,8 @@
         </p:nvSpPr>
         <p:spPr>
           <a:xfrm>
-            <a:off x="5239654" y="3942577"/>
-            <a:ext cx="1005416" cy="169277"/>
+            <a:off x="5280084" y="4353415"/>
+            <a:ext cx="1005416" cy="184666"/>
           </a:xfrm>
           <a:prstGeom prst="rect">
             <a:avLst/>
@@ -5941,7 +5942,7 @@
           </a:lstStyle>
           <a:p>
             <a:r>
-              <a:rPr lang="en-US" sz="1100" dirty="0" err="1">
+              <a:rPr lang="en-US" sz="1200" dirty="0" err="1">
                 <a:solidFill>
                   <a:schemeClr val="accent4">
                     <a:lumMod val="75000"/>
@@ -5950,7 +5951,7 @@
               </a:rPr>
               <a:t>pollDetails</a:t>
             </a:r>
-            <a:endParaRPr lang="en-US" sz="1100" dirty="0"/>
+            <a:endParaRPr lang="en-US" sz="1200" dirty="0"/>
           </a:p>
         </p:txBody>
       </p:sp>
@@ -5968,8 +5969,8 @@
         </p:nvSpPr>
         <p:spPr>
           <a:xfrm>
-            <a:off x="6847051" y="3814178"/>
-            <a:ext cx="1005416" cy="169277"/>
+            <a:off x="6882874" y="4147305"/>
+            <a:ext cx="1005416" cy="184666"/>
           </a:xfrm>
           <a:prstGeom prst="rect">
             <a:avLst/>
@@ -5994,7 +5995,7 @@
           </a:lstStyle>
           <a:p>
             <a:r>
-              <a:rPr lang="en-US" sz="1100" dirty="0" err="1">
+              <a:rPr lang="en-US" sz="1200" dirty="0" err="1">
                 <a:solidFill>
                   <a:schemeClr val="accent4">
                     <a:lumMod val="75000"/>
@@ -6003,7 +6004,7 @@
               </a:rPr>
               <a:t>pollDetails</a:t>
             </a:r>
-            <a:endParaRPr lang="en-US" sz="1100" dirty="0"/>
+            <a:endParaRPr lang="en-US" sz="1200" dirty="0"/>
           </a:p>
         </p:txBody>
       </p:sp>

--- a/docs/diagrams/VoteSequenceDiagram.pptx
+++ b/docs/diagrams/VoteSequenceDiagram.pptx
@@ -208,7 +208,7 @@
           <a:p>
             <a:fld id="{F5CC4B3F-88C1-4FFA-B1B6-F41C21DC6924}" type="datetimeFigureOut">
               <a:rPr lang="en-US" smtClean="0"/>
-              <a:t>11/11/2018</a:t>
+              <a:t>12-Nov-18</a:t>
             </a:fld>
             <a:endParaRPr lang="en-US"/>
           </a:p>
@@ -654,7 +654,7 @@
           <a:p>
             <a:fld id="{78C97017-6FC3-485B-9764-EAC9E56C1D49}" type="datetimeFigureOut">
               <a:rPr lang="en-US" smtClean="0"/>
-              <a:t>11/11/2018</a:t>
+              <a:t>12-Nov-18</a:t>
             </a:fld>
             <a:endParaRPr lang="en-US"/>
           </a:p>
@@ -822,7 +822,7 @@
           <a:p>
             <a:fld id="{78C97017-6FC3-485B-9764-EAC9E56C1D49}" type="datetimeFigureOut">
               <a:rPr lang="en-US" smtClean="0"/>
-              <a:t>11/11/2018</a:t>
+              <a:t>12-Nov-18</a:t>
             </a:fld>
             <a:endParaRPr lang="en-US"/>
           </a:p>
@@ -1000,7 +1000,7 @@
           <a:p>
             <a:fld id="{78C97017-6FC3-485B-9764-EAC9E56C1D49}" type="datetimeFigureOut">
               <a:rPr lang="en-US" smtClean="0"/>
-              <a:t>11/11/2018</a:t>
+              <a:t>12-Nov-18</a:t>
             </a:fld>
             <a:endParaRPr lang="en-US"/>
           </a:p>
@@ -1168,7 +1168,7 @@
           <a:p>
             <a:fld id="{78C97017-6FC3-485B-9764-EAC9E56C1D49}" type="datetimeFigureOut">
               <a:rPr lang="en-US" smtClean="0"/>
-              <a:t>11/11/2018</a:t>
+              <a:t>12-Nov-18</a:t>
             </a:fld>
             <a:endParaRPr lang="en-US"/>
           </a:p>
@@ -1413,7 +1413,7 @@
           <a:p>
             <a:fld id="{78C97017-6FC3-485B-9764-EAC9E56C1D49}" type="datetimeFigureOut">
               <a:rPr lang="en-US" smtClean="0"/>
-              <a:t>11/11/2018</a:t>
+              <a:t>12-Nov-18</a:t>
             </a:fld>
             <a:endParaRPr lang="en-US"/>
           </a:p>
@@ -1698,7 +1698,7 @@
           <a:p>
             <a:fld id="{78C97017-6FC3-485B-9764-EAC9E56C1D49}" type="datetimeFigureOut">
               <a:rPr lang="en-US" smtClean="0"/>
-              <a:t>11/11/2018</a:t>
+              <a:t>12-Nov-18</a:t>
             </a:fld>
             <a:endParaRPr lang="en-US"/>
           </a:p>
@@ -2117,7 +2117,7 @@
           <a:p>
             <a:fld id="{78C97017-6FC3-485B-9764-EAC9E56C1D49}" type="datetimeFigureOut">
               <a:rPr lang="en-US" smtClean="0"/>
-              <a:t>11/11/2018</a:t>
+              <a:t>12-Nov-18</a:t>
             </a:fld>
             <a:endParaRPr lang="en-US"/>
           </a:p>
@@ -2234,7 +2234,7 @@
           <a:p>
             <a:fld id="{78C97017-6FC3-485B-9764-EAC9E56C1D49}" type="datetimeFigureOut">
               <a:rPr lang="en-US" smtClean="0"/>
-              <a:t>11/11/2018</a:t>
+              <a:t>12-Nov-18</a:t>
             </a:fld>
             <a:endParaRPr lang="en-US"/>
           </a:p>
@@ -2329,7 +2329,7 @@
           <a:p>
             <a:fld id="{78C97017-6FC3-485B-9764-EAC9E56C1D49}" type="datetimeFigureOut">
               <a:rPr lang="en-US" smtClean="0"/>
-              <a:t>11/11/2018</a:t>
+              <a:t>12-Nov-18</a:t>
             </a:fld>
             <a:endParaRPr lang="en-US"/>
           </a:p>
@@ -2604,7 +2604,7 @@
           <a:p>
             <a:fld id="{78C97017-6FC3-485B-9764-EAC9E56C1D49}" type="datetimeFigureOut">
               <a:rPr lang="en-US" smtClean="0"/>
-              <a:t>11/11/2018</a:t>
+              <a:t>12-Nov-18</a:t>
             </a:fld>
             <a:endParaRPr lang="en-US"/>
           </a:p>
@@ -2856,7 +2856,7 @@
           <a:p>
             <a:fld id="{78C97017-6FC3-485B-9764-EAC9E56C1D49}" type="datetimeFigureOut">
               <a:rPr lang="en-US" smtClean="0"/>
-              <a:t>11/11/2018</a:t>
+              <a:t>12-Nov-18</a:t>
             </a:fld>
             <a:endParaRPr lang="en-US"/>
           </a:p>
@@ -3067,7 +3067,7 @@
           <a:p>
             <a:fld id="{78C97017-6FC3-485B-9764-EAC9E56C1D49}" type="datetimeFigureOut">
               <a:rPr lang="en-US" smtClean="0"/>
-              <a:t>11/11/2018</a:t>
+              <a:t>12-Nov-18</a:t>
             </a:fld>
             <a:endParaRPr lang="en-US"/>
           </a:p>
@@ -4302,8 +4302,8 @@
         </p:nvSpPr>
         <p:spPr>
           <a:xfrm>
-            <a:off x="4929999" y="2546094"/>
-            <a:ext cx="1408282" cy="369332"/>
+            <a:off x="4966552" y="2465005"/>
+            <a:ext cx="1351423" cy="430887"/>
           </a:xfrm>
           <a:prstGeom prst="rect">
             <a:avLst/>
@@ -4328,7 +4328,7 @@
           </a:lstStyle>
           <a:p>
             <a:r>
-              <a:rPr lang="en-US" sz="1200" dirty="0" err="1">
+              <a:rPr lang="en-US" dirty="0" err="1">
                 <a:solidFill>
                   <a:schemeClr val="accent4">
                     <a:lumMod val="75000"/>
@@ -4338,30 +4338,14 @@
               <a:t>voteOption</a:t>
             </a:r>
             <a:r>
-              <a:rPr lang="en-US" sz="1200" dirty="0">
+              <a:rPr lang="en-US" dirty="0">
                 <a:solidFill>
                   <a:srgbClr val="7030A0"/>
                 </a:solidFill>
               </a:rPr>
-              <a:t>(</a:t>
-            </a:r>
-            <a:r>
-              <a:rPr lang="en-US" sz="1200" dirty="0" err="1">
-                <a:solidFill>
-                  <a:srgbClr val="7030A0"/>
-                </a:solidFill>
-              </a:rPr>
-              <a:t>pollIndex</a:t>
-            </a:r>
-            <a:r>
-              <a:rPr lang="en-US" sz="1200" dirty="0">
-                <a:solidFill>
-                  <a:srgbClr val="7030A0"/>
-                </a:solidFill>
-              </a:rPr>
-              <a:t>, option)</a:t>
-            </a:r>
-            <a:endParaRPr lang="en-US" sz="1200" dirty="0"/>
+              <a:t>(1, “12 Aug”)</a:t>
+            </a:r>
+            <a:endParaRPr lang="en-US" dirty="0"/>
           </a:p>
         </p:txBody>
       </p:sp>
@@ -4932,7 +4916,7 @@
         </p:nvCxnSpPr>
         <p:spPr>
           <a:xfrm>
-            <a:off x="1367498" y="4527643"/>
+            <a:off x="1367498" y="4495800"/>
             <a:ext cx="3586044" cy="2138"/>
           </a:xfrm>
           <a:prstGeom prst="straightConnector1">
@@ -5360,8 +5344,8 @@
         </p:nvSpPr>
         <p:spPr>
           <a:xfrm>
-            <a:off x="6436500" y="2757232"/>
-            <a:ext cx="1541458" cy="369332"/>
+            <a:off x="6325731" y="2727110"/>
+            <a:ext cx="1541458" cy="430887"/>
           </a:xfrm>
           <a:prstGeom prst="rect">
             <a:avLst/>
@@ -5386,7 +5370,7 @@
           </a:lstStyle>
           <a:p>
             <a:r>
-              <a:rPr lang="en-US" sz="1200" dirty="0" err="1">
+              <a:rPr lang="en-US" dirty="0" err="1">
                 <a:solidFill>
                   <a:schemeClr val="accent4">
                     <a:lumMod val="75000"/>
@@ -5396,30 +5380,14 @@
               <a:t>addVoteToPoll</a:t>
             </a:r>
             <a:r>
-              <a:rPr lang="en-US" sz="1200" dirty="0">
+              <a:rPr lang="en-US" dirty="0">
                 <a:solidFill>
                   <a:srgbClr val="7030A0"/>
                 </a:solidFill>
               </a:rPr>
-              <a:t>(</a:t>
-            </a:r>
-            <a:r>
-              <a:rPr lang="en-US" sz="1200" dirty="0" err="1">
-                <a:solidFill>
-                  <a:srgbClr val="7030A0"/>
-                </a:solidFill>
-              </a:rPr>
-              <a:t>pollIndex</a:t>
-            </a:r>
-            <a:r>
-              <a:rPr lang="en-US" sz="1200" dirty="0">
-                <a:solidFill>
-                  <a:srgbClr val="7030A0"/>
-                </a:solidFill>
-              </a:rPr>
-              <a:t>, person, option)</a:t>
-            </a:r>
-            <a:endParaRPr lang="en-US" sz="1200" dirty="0"/>
+              <a:t>(1, user, “12 Aug”)</a:t>
+            </a:r>
+            <a:endParaRPr lang="en-US" dirty="0"/>
           </a:p>
         </p:txBody>
       </p:sp>
@@ -5600,8 +5568,8 @@
         </p:nvSpPr>
         <p:spPr>
           <a:xfrm>
-            <a:off x="7985715" y="2872798"/>
-            <a:ext cx="1461385" cy="369332"/>
+            <a:off x="7955432" y="2818755"/>
+            <a:ext cx="1461385" cy="430887"/>
           </a:xfrm>
           <a:prstGeom prst="rect">
             <a:avLst/>
@@ -5626,7 +5594,7 @@
           </a:lstStyle>
           <a:p>
             <a:r>
-              <a:rPr lang="en-US" sz="1200" dirty="0" err="1">
+              <a:rPr lang="en-US" dirty="0" err="1">
                 <a:solidFill>
                   <a:schemeClr val="accent4">
                     <a:lumMod val="75000"/>
@@ -5636,14 +5604,14 @@
               <a:t>addVote</a:t>
             </a:r>
             <a:r>
-              <a:rPr lang="en-US" sz="1200" dirty="0">
+              <a:rPr lang="en-US" dirty="0">
                 <a:solidFill>
                   <a:srgbClr val="7030A0"/>
                 </a:solidFill>
               </a:rPr>
-              <a:t>(person, option)</a:t>
-            </a:r>
-            <a:endParaRPr lang="en-US" sz="1200" dirty="0"/>
+              <a:t>(user, “12 Aug”)</a:t>
+            </a:r>
+            <a:endParaRPr lang="en-US" dirty="0"/>
           </a:p>
         </p:txBody>
       </p:sp>
